--- a/Presentatie.pptx
+++ b/Presentatie.pptx
@@ -5985,12 +5985,8 @@
           <a:lstStyle/>
           <a:p>
             <a:r>
-              <a:rPr lang="nl-NL" smtClean="0"/>
-              <a:t>“Storend licht” </a:t>
-            </a:r>
-            <a:r>
               <a:rPr lang="nl-NL" dirty="0" smtClean="0"/>
-              <a:t>neutraliseer algoritme</a:t>
+              <a:t>“Storend licht” neutraliseer algoritme</a:t>
             </a:r>
             <a:endParaRPr lang="nl-NL" dirty="0"/>
           </a:p>

--- a/Presentatie.pptx
+++ b/Presentatie.pptx
@@ -10,7 +10,8 @@
     <p:sldId id="258" r:id="rId4"/>
     <p:sldId id="259" r:id="rId5"/>
     <p:sldId id="260" r:id="rId6"/>
-    <p:sldId id="261" r:id="rId7"/>
+    <p:sldId id="262" r:id="rId7"/>
+    <p:sldId id="261" r:id="rId8"/>
   </p:sldIdLst>
   <p:sldSz cx="9144000" cy="6858000" type="screen4x3"/>
   <p:notesSz cx="6858000" cy="9144000"/>
@@ -483,7 +484,7 @@
           <a:p>
             <a:fld id="{B1115196-1C6F-4784-83AC-30756D8F10B3}" type="datetimeFigureOut">
               <a:rPr lang="en-US" smtClean="0"/>
-              <a:t>11-04-14</a:t>
+              <a:t>14-04-14</a:t>
             </a:fld>
             <a:endParaRPr lang="en-US"/>
           </a:p>
@@ -912,7 +913,7 @@
           <a:p>
             <a:fld id="{B1115196-1C6F-4784-83AC-30756D8F10B3}" type="datetimeFigureOut">
               <a:rPr lang="en-US" smtClean="0"/>
-              <a:t>11-04-14</a:t>
+              <a:t>14-04-14</a:t>
             </a:fld>
             <a:endParaRPr lang="en-US"/>
           </a:p>
@@ -1117,7 +1118,7 @@
           <a:p>
             <a:fld id="{B1115196-1C6F-4784-83AC-30756D8F10B3}" type="datetimeFigureOut">
               <a:rPr lang="en-US" smtClean="0"/>
-              <a:t>11-04-14</a:t>
+              <a:t>14-04-14</a:t>
             </a:fld>
             <a:endParaRPr lang="en-US"/>
           </a:p>
@@ -1388,7 +1389,7 @@
           <a:p>
             <a:fld id="{B1115196-1C6F-4784-83AC-30756D8F10B3}" type="datetimeFigureOut">
               <a:rPr lang="en-US" smtClean="0"/>
-              <a:t>11-04-14</a:t>
+              <a:t>14-04-14</a:t>
             </a:fld>
             <a:endParaRPr lang="en-US"/>
           </a:p>
@@ -1669,7 +1670,7 @@
           <a:p>
             <a:fld id="{B1115196-1C6F-4784-83AC-30756D8F10B3}" type="datetimeFigureOut">
               <a:rPr lang="en-US" smtClean="0"/>
-              <a:t>11-04-14</a:t>
+              <a:t>14-04-14</a:t>
             </a:fld>
             <a:endParaRPr lang="en-US"/>
           </a:p>
@@ -1904,7 +1905,7 @@
           <a:p>
             <a:fld id="{B1115196-1C6F-4784-83AC-30756D8F10B3}" type="datetimeFigureOut">
               <a:rPr lang="en-US" smtClean="0"/>
-              <a:t>11-04-14</a:t>
+              <a:t>14-04-14</a:t>
             </a:fld>
             <a:endParaRPr lang="en-US"/>
           </a:p>
@@ -2185,7 +2186,7 @@
           <a:p>
             <a:fld id="{B1115196-1C6F-4784-83AC-30756D8F10B3}" type="datetimeFigureOut">
               <a:rPr lang="en-US" smtClean="0"/>
-              <a:t>11-04-14</a:t>
+              <a:t>14-04-14</a:t>
             </a:fld>
             <a:endParaRPr lang="en-US"/>
           </a:p>
@@ -2612,7 +2613,7 @@
           <a:p>
             <a:fld id="{B1115196-1C6F-4784-83AC-30756D8F10B3}" type="datetimeFigureOut">
               <a:rPr lang="en-US" smtClean="0"/>
-              <a:t>11-04-14</a:t>
+              <a:t>14-04-14</a:t>
             </a:fld>
             <a:endParaRPr lang="en-US"/>
           </a:p>
@@ -3135,7 +3136,7 @@
           <a:p>
             <a:fld id="{B1115196-1C6F-4784-83AC-30756D8F10B3}" type="datetimeFigureOut">
               <a:rPr lang="en-US" smtClean="0"/>
-              <a:t>11-04-14</a:t>
+              <a:t>14-04-14</a:t>
             </a:fld>
             <a:endParaRPr lang="en-US"/>
           </a:p>
@@ -3497,7 +3498,7 @@
           <a:p>
             <a:fld id="{B1115196-1C6F-4784-83AC-30756D8F10B3}" type="datetimeFigureOut">
               <a:rPr lang="en-US" smtClean="0"/>
-              <a:t>11-04-14</a:t>
+              <a:t>14-04-14</a:t>
             </a:fld>
             <a:endParaRPr lang="en-US"/>
           </a:p>
@@ -4053,7 +4054,7 @@
           <a:p>
             <a:fld id="{B1115196-1C6F-4784-83AC-30756D8F10B3}" type="datetimeFigureOut">
               <a:rPr lang="en-US" smtClean="0"/>
-              <a:t>11-04-14</a:t>
+              <a:t>14-04-14</a:t>
             </a:fld>
             <a:endParaRPr lang="en-US"/>
           </a:p>
@@ -4278,7 +4279,7 @@
           <a:p>
             <a:fld id="{B1115196-1C6F-4784-83AC-30756D8F10B3}" type="datetimeFigureOut">
               <a:rPr lang="en-US" smtClean="0"/>
-              <a:t>11-04-14</a:t>
+              <a:t>14-04-14</a:t>
             </a:fld>
             <a:endParaRPr lang="en-US"/>
           </a:p>
@@ -4424,7 +4425,7 @@
           <a:p>
             <a:fld id="{B1115196-1C6F-4784-83AC-30756D8F10B3}" type="datetimeFigureOut">
               <a:rPr lang="en-US" smtClean="0"/>
-              <a:t>11-04-14</a:t>
+              <a:t>14-04-14</a:t>
             </a:fld>
             <a:endParaRPr lang="en-US"/>
           </a:p>
@@ -4889,7 +4890,7 @@
           <a:p>
             <a:fld id="{B1115196-1C6F-4784-83AC-30756D8F10B3}" type="datetimeFigureOut">
               <a:rPr lang="en-US" smtClean="0"/>
-              <a:t>11-04-14</a:t>
+              <a:t>14-04-14</a:t>
             </a:fld>
             <a:endParaRPr lang="en-US"/>
           </a:p>
@@ -5111,7 +5112,7 @@
           <a:p>
             <a:fld id="{B1115196-1C6F-4784-83AC-30756D8F10B3}" type="datetimeFigureOut">
               <a:rPr lang="en-US" smtClean="0"/>
-              <a:t>11-04-14</a:t>
+              <a:t>14-04-14</a:t>
             </a:fld>
             <a:endParaRPr lang="en-US"/>
           </a:p>
@@ -5562,7 +5563,7 @@
         </p:nvSpPr>
         <p:spPr>
           <a:xfrm>
-            <a:off x="-1009837" y="3637893"/>
+            <a:off x="-726346" y="3728615"/>
             <a:ext cx="6992358" cy="1043756"/>
           </a:xfrm>
         </p:spPr>
@@ -5807,12 +5808,11 @@
           <a:p>
             <a:r>
               <a:rPr lang="nl-NL" dirty="0" smtClean="0"/>
-              <a:t>Gradi</a:t>
-            </a:r>
-            <a:r>
-              <a:rPr lang="nl-NL" dirty="0" smtClean="0"/>
-              <a:t>ënt</a:t>
-            </a:r>
+              <a:t>Gradiënt</a:t>
+            </a:r>
+          </a:p>
+          <a:p>
+            <a:endParaRPr lang="nl-NL" dirty="0" smtClean="0"/>
           </a:p>
           <a:p>
             <a:endParaRPr lang="nl-NL" dirty="0"/>
@@ -5929,8 +5929,8 @@
         </p:blipFill>
         <p:spPr>
           <a:xfrm>
-            <a:off x="3827557" y="2309532"/>
-            <a:ext cx="4820262" cy="3891055"/>
+            <a:off x="3542689" y="1949824"/>
+            <a:ext cx="4820262" cy="4007224"/>
           </a:xfrm>
           <a:prstGeom prst="rect">
             <a:avLst/>
@@ -6002,7 +6002,12 @@
             <p:ph idx="1"/>
           </p:nvPr>
         </p:nvSpPr>
-        <p:spPr/>
+        <p:spPr>
+          <a:xfrm>
+            <a:off x="779463" y="1949824"/>
+            <a:ext cx="7583488" cy="3663587"/>
+          </a:xfrm>
+        </p:spPr>
         <p:txBody>
           <a:bodyPr/>
           <a:lstStyle/>
@@ -6019,7 +6024,10 @@
             </a:r>
           </a:p>
           <a:p>
-            <a:endParaRPr lang="nl-NL" dirty="0"/>
+            <a:r>
+              <a:rPr lang="nl-NL" dirty="0" smtClean="0"/>
+              <a:t>Samples hoeken</a:t>
+            </a:r>
           </a:p>
         </p:txBody>
       </p:sp>
@@ -6065,25 +6073,214 @@
         </p:nvSpPr>
         <p:spPr/>
         <p:txBody>
+          <a:bodyPr>
+            <a:normAutofit fontScale="90000"/>
+          </a:bodyPr>
+          <a:lstStyle/>
+          <a:p>
+            <a:r>
+              <a:rPr lang="nl-NL" dirty="0"/>
+              <a:t>“Storend licht” neutraliseer algoritme</a:t>
+            </a:r>
+          </a:p>
+        </p:txBody>
+      </p:sp>
+      <p:sp>
+        <p:nvSpPr>
+          <p:cNvPr id="3" name="Tijdelijke aanduiding voor inhoud 2"/>
+          <p:cNvSpPr>
+            <a:spLocks noGrp="1"/>
+          </p:cNvSpPr>
+          <p:nvPr>
+            <p:ph idx="1"/>
+          </p:nvPr>
+        </p:nvSpPr>
+        <p:spPr/>
+        <p:txBody>
           <a:bodyPr/>
           <a:lstStyle/>
           <a:p>
             <a:r>
               <a:rPr lang="nl-NL" dirty="0" smtClean="0"/>
-              <a:t>Controller</a:t>
+              <a:t>Testresultaten</a:t>
+            </a:r>
+          </a:p>
+          <a:p>
+            <a:r>
+              <a:rPr lang="nl-NL" dirty="0" smtClean="0"/>
+              <a:t>Origineel:</a:t>
             </a:r>
             <a:endParaRPr lang="nl-NL" dirty="0"/>
           </a:p>
-        </p:txBody>
-      </p:sp>
-      <p:sp>
-        <p:nvSpPr>
-          <p:cNvPr id="3" name="Tijdelijke aanduiding voor inhoud 2"/>
-          <p:cNvSpPr>
-            <a:spLocks noGrp="1"/>
-          </p:cNvSpPr>
-          <p:nvPr>
-            <p:ph idx="1"/>
+          <a:p>
+            <a:r>
+              <a:rPr lang="nl-NL" dirty="0" smtClean="0"/>
+              <a:t>Gerepareerd:</a:t>
+            </a:r>
+          </a:p>
+          <a:p>
+            <a:pPr marL="0" indent="0">
+              <a:buNone/>
+            </a:pPr>
+            <a:endParaRPr lang="nl-NL" dirty="0" smtClean="0"/>
+          </a:p>
+          <a:p>
+            <a:r>
+              <a:rPr lang="nl-NL" dirty="0" smtClean="0"/>
+              <a:t>RNW output met reparatie:</a:t>
+            </a:r>
+          </a:p>
+          <a:p>
+            <a:r>
+              <a:rPr lang="nl-NL" dirty="0" smtClean="0"/>
+              <a:t>RNW output zonder reparatie:</a:t>
+            </a:r>
+          </a:p>
+          <a:p>
+            <a:endParaRPr lang="nl-NL" dirty="0"/>
+          </a:p>
+        </p:txBody>
+      </p:sp>
+      <p:pic>
+        <p:nvPicPr>
+          <p:cNvPr id="4" name="Afbeelding 3"/>
+          <p:cNvPicPr>
+            <a:picLocks noChangeAspect="1"/>
+          </p:cNvPicPr>
+          <p:nvPr/>
+        </p:nvPicPr>
+        <p:blipFill>
+          <a:blip r:embed="rId2"/>
+          <a:stretch>
+            <a:fillRect/>
+          </a:stretch>
+        </p:blipFill>
+        <p:spPr>
+          <a:xfrm>
+            <a:off x="4876044" y="3108643"/>
+            <a:ext cx="2790384" cy="867544"/>
+          </a:xfrm>
+          <a:prstGeom prst="rect">
+            <a:avLst/>
+          </a:prstGeom>
+        </p:spPr>
+      </p:pic>
+      <p:pic>
+        <p:nvPicPr>
+          <p:cNvPr id="5" name="Afbeelding 4"/>
+          <p:cNvPicPr>
+            <a:picLocks noChangeAspect="1"/>
+          </p:cNvPicPr>
+          <p:nvPr/>
+        </p:nvPicPr>
+        <p:blipFill>
+          <a:blip r:embed="rId3"/>
+          <a:stretch>
+            <a:fillRect/>
+          </a:stretch>
+        </p:blipFill>
+        <p:spPr>
+          <a:xfrm>
+            <a:off x="4876044" y="1949824"/>
+            <a:ext cx="2835743" cy="911489"/>
+          </a:xfrm>
+          <a:prstGeom prst="rect">
+            <a:avLst/>
+          </a:prstGeom>
+        </p:spPr>
+      </p:pic>
+      <p:pic>
+        <p:nvPicPr>
+          <p:cNvPr id="6" name="Afbeelding 5"/>
+          <p:cNvPicPr>
+            <a:picLocks noChangeAspect="1"/>
+          </p:cNvPicPr>
+          <p:nvPr/>
+        </p:nvPicPr>
+        <p:blipFill>
+          <a:blip r:embed="rId4"/>
+          <a:stretch>
+            <a:fillRect/>
+          </a:stretch>
+        </p:blipFill>
+        <p:spPr>
+          <a:xfrm>
+            <a:off x="4876044" y="4136830"/>
+            <a:ext cx="2790384" cy="667266"/>
+          </a:xfrm>
+          <a:prstGeom prst="rect">
+            <a:avLst/>
+          </a:prstGeom>
+        </p:spPr>
+      </p:pic>
+      <p:pic>
+        <p:nvPicPr>
+          <p:cNvPr id="7" name="Afbeelding 6" descr="RNW[0].jpg"/>
+          <p:cNvPicPr>
+            <a:picLocks noChangeAspect="1"/>
+          </p:cNvPicPr>
+          <p:nvPr/>
+        </p:nvPicPr>
+        <p:blipFill>
+          <a:blip r:embed="rId5">
+            <a:extLst>
+              <a:ext uri="{28A0092B-C50C-407E-A947-70E740481C1C}">
+                <a14:useLocalDpi xmlns:a14="http://schemas.microsoft.com/office/drawing/2010/main" val="0"/>
+              </a:ext>
+            </a:extLst>
+          </a:blip>
+          <a:stretch>
+            <a:fillRect/>
+          </a:stretch>
+        </p:blipFill>
+        <p:spPr>
+          <a:xfrm rot="10800000" flipH="1" flipV="1">
+            <a:off x="4876044" y="5019125"/>
+            <a:ext cx="2790384" cy="701212"/>
+          </a:xfrm>
+          <a:prstGeom prst="rect">
+            <a:avLst/>
+          </a:prstGeom>
+        </p:spPr>
+      </p:pic>
+    </p:spTree>
+    <p:extLst>
+      <p:ext uri="{BB962C8B-B14F-4D97-AF65-F5344CB8AC3E}">
+        <p14:creationId xmlns:p14="http://schemas.microsoft.com/office/powerpoint/2010/main" val="3061410905"/>
+      </p:ext>
+    </p:extLst>
+  </p:cSld>
+  <p:clrMapOvr>
+    <a:masterClrMapping/>
+  </p:clrMapOvr>
+</p:sld>
+</file>
+
+<file path=ppt/slides/slide7.xml><?xml version="1.0" encoding="utf-8"?>
+<p:sld xmlns:a="http://schemas.openxmlformats.org/drawingml/2006/main" xmlns:r="http://schemas.openxmlformats.org/officeDocument/2006/relationships" xmlns:p="http://schemas.openxmlformats.org/presentationml/2006/main">
+  <p:cSld>
+    <p:spTree>
+      <p:nvGrpSpPr>
+        <p:cNvPr id="1" name=""/>
+        <p:cNvGrpSpPr/>
+        <p:nvPr/>
+      </p:nvGrpSpPr>
+      <p:grpSpPr>
+        <a:xfrm>
+          <a:off x="0" y="0"/>
+          <a:ext cx="0" cy="0"/>
+          <a:chOff x="0" y="0"/>
+          <a:chExt cx="0" cy="0"/>
+        </a:xfrm>
+      </p:grpSpPr>
+      <p:sp>
+        <p:nvSpPr>
+          <p:cNvPr id="2" name="Titel 1"/>
+          <p:cNvSpPr>
+            <a:spLocks noGrp="1"/>
+          </p:cNvSpPr>
+          <p:nvPr>
+            <p:ph type="title"/>
           </p:nvPr>
         </p:nvSpPr>
         <p:spPr/>
@@ -6093,16 +6290,58 @@
           <a:p>
             <a:r>
               <a:rPr lang="nl-NL" dirty="0" smtClean="0"/>
+              <a:t>Controller</a:t>
+            </a:r>
+            <a:endParaRPr lang="nl-NL" dirty="0"/>
+          </a:p>
+        </p:txBody>
+      </p:sp>
+      <p:sp>
+        <p:nvSpPr>
+          <p:cNvPr id="3" name="Tijdelijke aanduiding voor inhoud 2"/>
+          <p:cNvSpPr>
+            <a:spLocks noGrp="1"/>
+          </p:cNvSpPr>
+          <p:nvPr>
+            <p:ph idx="1"/>
+          </p:nvPr>
+        </p:nvSpPr>
+        <p:spPr/>
+        <p:txBody>
+          <a:bodyPr/>
+          <a:lstStyle/>
+          <a:p>
+            <a:r>
+              <a:rPr lang="nl-NL" dirty="0" smtClean="0"/>
               <a:t>Link tussen de verschillende klassen</a:t>
             </a:r>
           </a:p>
           <a:p>
             <a:r>
               <a:rPr lang="nl-NL" dirty="0" smtClean="0"/>
-              <a:t>Exceptions</a:t>
-            </a:r>
-          </a:p>
-          <a:p>
+              <a:t>Exception</a:t>
+            </a:r>
+            <a:endParaRPr lang="nl-NL" dirty="0" smtClean="0"/>
+          </a:p>
+          <a:p>
+            <a:r>
+              <a:rPr lang="nl-NL" dirty="0" smtClean="0"/>
+              <a:t>License </a:t>
+            </a:r>
+            <a:r>
+              <a:rPr lang="nl-NL" dirty="0"/>
+              <a:t>n</a:t>
+            </a:r>
+            <a:r>
+              <a:rPr lang="nl-NL" dirty="0" smtClean="0"/>
+              <a:t>ot found</a:t>
+            </a:r>
+          </a:p>
+          <a:p>
+            <a:r>
+              <a:rPr lang="nl-NL" dirty="0" smtClean="0"/>
+              <a:t>Problemen opgelost</a:t>
+            </a:r>
             <a:endParaRPr lang="nl-NL" dirty="0"/>
           </a:p>
         </p:txBody>

--- a/Presentatie.pptx
+++ b/Presentatie.pptx
@@ -5812,6 +5812,26 @@
             </a:r>
           </a:p>
           <a:p>
+            <a:r>
+              <a:rPr lang="nl-NL" dirty="0" smtClean="0"/>
+              <a:t>10x10 </a:t>
+            </a:r>
+            <a:r>
+              <a:rPr lang="nl-NL" dirty="0" err="1" smtClean="0"/>
+              <a:t>neighbourhood</a:t>
+            </a:r>
+            <a:r>
+              <a:rPr lang="nl-NL" dirty="0" smtClean="0"/>
+              <a:t> pixels</a:t>
+            </a:r>
+          </a:p>
+          <a:p>
+            <a:endParaRPr lang="nl-NL" dirty="0" smtClean="0"/>
+          </a:p>
+          <a:p>
+            <a:endParaRPr lang="nl-NL" dirty="0" smtClean="0"/>
+          </a:p>
+          <a:p>
             <a:endParaRPr lang="nl-NL" dirty="0" smtClean="0"/>
           </a:p>
           <a:p>
@@ -6080,8 +6100,13 @@
           <a:p>
             <a:r>
               <a:rPr lang="nl-NL" dirty="0"/>
-              <a:t>“Storend licht” neutraliseer algoritme</a:t>
-            </a:r>
+              <a:t>“Storend licht” neutraliseer </a:t>
+            </a:r>
+            <a:r>
+              <a:rPr lang="nl-NL" dirty="0" smtClean="0"/>
+              <a:t>algoritme resultaten</a:t>
+            </a:r>
+            <a:endParaRPr lang="nl-NL" dirty="0"/>
           </a:p>
         </p:txBody>
       </p:sp>
@@ -6102,14 +6127,10 @@
           <a:p>
             <a:r>
               <a:rPr lang="nl-NL" dirty="0" smtClean="0"/>
-              <a:t>Testresultaten</a:t>
-            </a:r>
-          </a:p>
-          <a:p>
-            <a:r>
-              <a:rPr lang="nl-NL" dirty="0" smtClean="0"/>
               <a:t>Origineel:</a:t>
             </a:r>
+          </a:p>
+          <a:p>
             <a:endParaRPr lang="nl-NL" dirty="0"/>
           </a:p>
           <a:p>
@@ -6157,8 +6178,8 @@
         </p:blipFill>
         <p:spPr>
           <a:xfrm>
-            <a:off x="4876044" y="3108643"/>
-            <a:ext cx="2790384" cy="867544"/>
+            <a:off x="-1141429874" y="-1031904165"/>
+            <a:ext cx="135376098" cy="135376098"/>
           </a:xfrm>
           <a:prstGeom prst="rect">
             <a:avLst/>
@@ -6205,7 +6226,7 @@
         </p:blipFill>
         <p:spPr>
           <a:xfrm>
-            <a:off x="4876044" y="4136830"/>
+            <a:off x="4876044" y="4193530"/>
             <a:ext cx="2790384" cy="667266"/>
           </a:xfrm>
           <a:prstGeom prst="rect">
@@ -6235,8 +6256,38 @@
         </p:blipFill>
         <p:spPr>
           <a:xfrm rot="10800000" flipH="1" flipV="1">
-            <a:off x="4876044" y="5019125"/>
+            <a:off x="4876044" y="5064485"/>
             <a:ext cx="2790384" cy="701212"/>
+          </a:xfrm>
+          <a:prstGeom prst="rect">
+            <a:avLst/>
+          </a:prstGeom>
+        </p:spPr>
+      </p:pic>
+      <p:pic>
+        <p:nvPicPr>
+          <p:cNvPr id="8" name="Afbeelding 7" descr="Schermafbeelding 2014-04-14 om 15.22.36.png"/>
+          <p:cNvPicPr>
+            <a:picLocks noChangeAspect="1"/>
+          </p:cNvPicPr>
+          <p:nvPr/>
+        </p:nvPicPr>
+        <p:blipFill>
+          <a:blip r:embed="rId6">
+            <a:extLst>
+              <a:ext uri="{28A0092B-C50C-407E-A947-70E740481C1C}">
+                <a14:useLocalDpi xmlns:a14="http://schemas.microsoft.com/office/drawing/2010/main" val="0"/>
+              </a:ext>
+            </a:extLst>
+          </a:blip>
+          <a:stretch>
+            <a:fillRect/>
+          </a:stretch>
+        </p:blipFill>
+        <p:spPr>
+          <a:xfrm>
+            <a:off x="4876044" y="3059735"/>
+            <a:ext cx="2835743" cy="966977"/>
           </a:xfrm>
           <a:prstGeom prst="rect">
             <a:avLst/>

--- a/Presentatie.pptx
+++ b/Presentatie.pptx
@@ -484,7 +484,7 @@
           <a:p>
             <a:fld id="{B1115196-1C6F-4784-83AC-30756D8F10B3}" type="datetimeFigureOut">
               <a:rPr lang="en-US" smtClean="0"/>
-              <a:t>14-04-14</a:t>
+              <a:t>4/14/2014</a:t>
             </a:fld>
             <a:endParaRPr lang="en-US"/>
           </a:p>
@@ -913,7 +913,7 @@
           <a:p>
             <a:fld id="{B1115196-1C6F-4784-83AC-30756D8F10B3}" type="datetimeFigureOut">
               <a:rPr lang="en-US" smtClean="0"/>
-              <a:t>14-04-14</a:t>
+              <a:t>4/14/2014</a:t>
             </a:fld>
             <a:endParaRPr lang="en-US"/>
           </a:p>
@@ -1118,7 +1118,7 @@
           <a:p>
             <a:fld id="{B1115196-1C6F-4784-83AC-30756D8F10B3}" type="datetimeFigureOut">
               <a:rPr lang="en-US" smtClean="0"/>
-              <a:t>14-04-14</a:t>
+              <a:t>4/14/2014</a:t>
             </a:fld>
             <a:endParaRPr lang="en-US"/>
           </a:p>
@@ -1389,7 +1389,7 @@
           <a:p>
             <a:fld id="{B1115196-1C6F-4784-83AC-30756D8F10B3}" type="datetimeFigureOut">
               <a:rPr lang="en-US" smtClean="0"/>
-              <a:t>14-04-14</a:t>
+              <a:t>4/14/2014</a:t>
             </a:fld>
             <a:endParaRPr lang="en-US"/>
           </a:p>
@@ -1670,7 +1670,7 @@
           <a:p>
             <a:fld id="{B1115196-1C6F-4784-83AC-30756D8F10B3}" type="datetimeFigureOut">
               <a:rPr lang="en-US" smtClean="0"/>
-              <a:t>14-04-14</a:t>
+              <a:t>4/14/2014</a:t>
             </a:fld>
             <a:endParaRPr lang="en-US"/>
           </a:p>
@@ -1905,7 +1905,7 @@
           <a:p>
             <a:fld id="{B1115196-1C6F-4784-83AC-30756D8F10B3}" type="datetimeFigureOut">
               <a:rPr lang="en-US" smtClean="0"/>
-              <a:t>14-04-14</a:t>
+              <a:t>4/14/2014</a:t>
             </a:fld>
             <a:endParaRPr lang="en-US"/>
           </a:p>
@@ -2186,7 +2186,7 @@
           <a:p>
             <a:fld id="{B1115196-1C6F-4784-83AC-30756D8F10B3}" type="datetimeFigureOut">
               <a:rPr lang="en-US" smtClean="0"/>
-              <a:t>14-04-14</a:t>
+              <a:t>4/14/2014</a:t>
             </a:fld>
             <a:endParaRPr lang="en-US"/>
           </a:p>
@@ -2613,7 +2613,7 @@
           <a:p>
             <a:fld id="{B1115196-1C6F-4784-83AC-30756D8F10B3}" type="datetimeFigureOut">
               <a:rPr lang="en-US" smtClean="0"/>
-              <a:t>14-04-14</a:t>
+              <a:t>4/14/2014</a:t>
             </a:fld>
             <a:endParaRPr lang="en-US"/>
           </a:p>
@@ -3136,7 +3136,7 @@
           <a:p>
             <a:fld id="{B1115196-1C6F-4784-83AC-30756D8F10B3}" type="datetimeFigureOut">
               <a:rPr lang="en-US" smtClean="0"/>
-              <a:t>14-04-14</a:t>
+              <a:t>4/14/2014</a:t>
             </a:fld>
             <a:endParaRPr lang="en-US"/>
           </a:p>
@@ -3498,7 +3498,7 @@
           <a:p>
             <a:fld id="{B1115196-1C6F-4784-83AC-30756D8F10B3}" type="datetimeFigureOut">
               <a:rPr lang="en-US" smtClean="0"/>
-              <a:t>14-04-14</a:t>
+              <a:t>4/14/2014</a:t>
             </a:fld>
             <a:endParaRPr lang="en-US"/>
           </a:p>
@@ -4054,7 +4054,7 @@
           <a:p>
             <a:fld id="{B1115196-1C6F-4784-83AC-30756D8F10B3}" type="datetimeFigureOut">
               <a:rPr lang="en-US" smtClean="0"/>
-              <a:t>14-04-14</a:t>
+              <a:t>4/14/2014</a:t>
             </a:fld>
             <a:endParaRPr lang="en-US"/>
           </a:p>
@@ -4279,7 +4279,7 @@
           <a:p>
             <a:fld id="{B1115196-1C6F-4784-83AC-30756D8F10B3}" type="datetimeFigureOut">
               <a:rPr lang="en-US" smtClean="0"/>
-              <a:t>14-04-14</a:t>
+              <a:t>4/14/2014</a:t>
             </a:fld>
             <a:endParaRPr lang="en-US"/>
           </a:p>
@@ -4425,7 +4425,7 @@
           <a:p>
             <a:fld id="{B1115196-1C6F-4784-83AC-30756D8F10B3}" type="datetimeFigureOut">
               <a:rPr lang="en-US" smtClean="0"/>
-              <a:t>14-04-14</a:t>
+              <a:t>4/14/2014</a:t>
             </a:fld>
             <a:endParaRPr lang="en-US"/>
           </a:p>
@@ -4890,7 +4890,7 @@
           <a:p>
             <a:fld id="{B1115196-1C6F-4784-83AC-30756D8F10B3}" type="datetimeFigureOut">
               <a:rPr lang="en-US" smtClean="0"/>
-              <a:t>14-04-14</a:t>
+              <a:t>4/14/2014</a:t>
             </a:fld>
             <a:endParaRPr lang="en-US"/>
           </a:p>
@@ -5112,7 +5112,7 @@
           <a:p>
             <a:fld id="{B1115196-1C6F-4784-83AC-30756D8F10B3}" type="datetimeFigureOut">
               <a:rPr lang="en-US" smtClean="0"/>
-              <a:t>14-04-14</a:t>
+              <a:t>4/14/2014</a:t>
             </a:fld>
             <a:endParaRPr lang="en-US"/>
           </a:p>
@@ -5808,8 +5808,23 @@
           <a:p>
             <a:r>
               <a:rPr lang="nl-NL" dirty="0" smtClean="0"/>
+              <a:t>The </a:t>
+            </a:r>
+            <a:r>
+              <a:rPr lang="nl-NL" dirty="0" err="1" smtClean="0"/>
+              <a:t>color</a:t>
+            </a:r>
+            <a:r>
+              <a:rPr lang="nl-NL" dirty="0" smtClean="0"/>
+              <a:t> blue</a:t>
+            </a:r>
+          </a:p>
+          <a:p>
+            <a:r>
+              <a:rPr lang="nl-NL" dirty="0" smtClean="0"/>
               <a:t>Gradiënt</a:t>
             </a:r>
+            <a:endParaRPr lang="nl-NL" dirty="0" smtClean="0"/>
           </a:p>
           <a:p>
             <a:r>
@@ -5826,6 +5841,10 @@
             </a:r>
           </a:p>
           <a:p>
+            <a:r>
+              <a:rPr lang="nl-NL" dirty="0" smtClean="0"/>
+              <a:t>resultaten</a:t>
+            </a:r>
             <a:endParaRPr lang="nl-NL" dirty="0" smtClean="0"/>
           </a:p>
           <a:p>
@@ -5839,6 +5858,1559 @@
           </a:p>
         </p:txBody>
       </p:sp>
+      <p:graphicFrame>
+        <p:nvGraphicFramePr>
+          <p:cNvPr id="4" name="Tabel 3"/>
+          <p:cNvGraphicFramePr>
+            <a:graphicFrameLocks noGrp="1"/>
+          </p:cNvGraphicFramePr>
+          <p:nvPr>
+            <p:extLst>
+              <p:ext uri="{D42A27DB-BD31-4B8C-83A1-F6EECF244321}">
+                <p14:modId xmlns:p14="http://schemas.microsoft.com/office/powerpoint/2010/main" val="1038594105"/>
+              </p:ext>
+            </p:extLst>
+          </p:nvPr>
+        </p:nvGraphicFramePr>
+        <p:xfrm>
+          <a:off x="4780650" y="1994811"/>
+          <a:ext cx="3804549" cy="3863128"/>
+        </p:xfrm>
+        <a:graphic>
+          <a:graphicData uri="http://schemas.openxmlformats.org/drawingml/2006/table">
+            <a:tbl>
+              <a:tblPr firstRow="1" firstCol="1" bandRow="1">
+                <a:tableStyleId>{5C22544A-7EE6-4342-B048-85BDC9FD1C3A}</a:tableStyleId>
+              </a:tblPr>
+              <a:tblGrid>
+                <a:gridCol w="1755616"/>
+                <a:gridCol w="711201"/>
+                <a:gridCol w="1337732"/>
+              </a:tblGrid>
+              <a:tr h="571288">
+                <a:tc>
+                  <a:txBody>
+                    <a:bodyPr/>
+                    <a:lstStyle/>
+                    <a:p>
+                      <a:pPr>
+                        <a:spcAft>
+                          <a:spcPts val="0"/>
+                        </a:spcAft>
+                      </a:pPr>
+                      <a:r>
+                        <a:rPr lang="nl-NL" sz="1200" dirty="0">
+                          <a:effectLst/>
+                        </a:rPr>
+                        <a:t>Naam van het plaatje</a:t>
+                      </a:r>
+                      <a:endParaRPr lang="nl-NL" sz="1100" dirty="0">
+                        <a:effectLst/>
+                        <a:latin typeface="Cambria"/>
+                        <a:ea typeface="Cambria"/>
+                        <a:cs typeface="Times New Roman"/>
+                      </a:endParaRPr>
+                    </a:p>
+                  </a:txBody>
+                  <a:tcPr marL="68580" marR="68580" marT="0" marB="0"/>
+                </a:tc>
+                <a:tc>
+                  <a:txBody>
+                    <a:bodyPr/>
+                    <a:lstStyle/>
+                    <a:p>
+                      <a:pPr>
+                        <a:spcAft>
+                          <a:spcPts val="0"/>
+                        </a:spcAft>
+                      </a:pPr>
+                      <a:r>
+                        <a:rPr lang="nl-NL" sz="1200">
+                          <a:effectLst/>
+                        </a:rPr>
+                        <a:t>Tijd in seconde</a:t>
+                      </a:r>
+                      <a:endParaRPr lang="nl-NL" sz="1100">
+                        <a:effectLst/>
+                        <a:latin typeface="Cambria"/>
+                        <a:ea typeface="Cambria"/>
+                        <a:cs typeface="Times New Roman"/>
+                      </a:endParaRPr>
+                    </a:p>
+                  </a:txBody>
+                  <a:tcPr marL="68580" marR="68580" marT="0" marB="0"/>
+                </a:tc>
+                <a:tc>
+                  <a:txBody>
+                    <a:bodyPr/>
+                    <a:lstStyle/>
+                    <a:p>
+                      <a:pPr>
+                        <a:spcAft>
+                          <a:spcPts val="0"/>
+                        </a:spcAft>
+                      </a:pPr>
+                      <a:r>
+                        <a:rPr lang="nl-NL" sz="1200" dirty="0">
+                          <a:effectLst/>
+                        </a:rPr>
+                        <a:t>Uitkomst 0 = niet gevonden / 1 = gevonden</a:t>
+                      </a:r>
+                      <a:endParaRPr lang="nl-NL" sz="1100" dirty="0">
+                        <a:effectLst/>
+                        <a:latin typeface="Cambria"/>
+                        <a:ea typeface="Cambria"/>
+                        <a:cs typeface="Times New Roman"/>
+                      </a:endParaRPr>
+                    </a:p>
+                  </a:txBody>
+                  <a:tcPr marL="68580" marR="68580" marT="0" marB="0"/>
+                </a:tc>
+              </a:tr>
+              <a:tr h="178435">
+                <a:tc>
+                  <a:txBody>
+                    <a:bodyPr/>
+                    <a:lstStyle/>
+                    <a:p>
+                      <a:pPr>
+                        <a:spcAft>
+                          <a:spcPts val="0"/>
+                        </a:spcAft>
+                      </a:pPr>
+                      <a:r>
+                        <a:rPr lang="nl-NL" sz="1200">
+                          <a:effectLst/>
+                        </a:rPr>
+                        <a:t>license_plate_1</a:t>
+                      </a:r>
+                      <a:endParaRPr lang="nl-NL" sz="1100">
+                        <a:effectLst/>
+                        <a:latin typeface="Cambria"/>
+                        <a:ea typeface="Cambria"/>
+                        <a:cs typeface="Times New Roman"/>
+                      </a:endParaRPr>
+                    </a:p>
+                  </a:txBody>
+                  <a:tcPr marL="68580" marR="68580" marT="0" marB="0"/>
+                </a:tc>
+                <a:tc>
+                  <a:txBody>
+                    <a:bodyPr/>
+                    <a:lstStyle/>
+                    <a:p>
+                      <a:pPr>
+                        <a:spcAft>
+                          <a:spcPts val="0"/>
+                        </a:spcAft>
+                      </a:pPr>
+                      <a:r>
+                        <a:rPr lang="nl-NL" sz="1200">
+                          <a:effectLst/>
+                        </a:rPr>
+                        <a:t>0.0140</a:t>
+                      </a:r>
+                      <a:endParaRPr lang="nl-NL" sz="1100">
+                        <a:effectLst/>
+                        <a:latin typeface="Cambria"/>
+                        <a:ea typeface="Cambria"/>
+                        <a:cs typeface="Times New Roman"/>
+                      </a:endParaRPr>
+                    </a:p>
+                  </a:txBody>
+                  <a:tcPr marL="68580" marR="68580" marT="0" marB="0"/>
+                </a:tc>
+                <a:tc>
+                  <a:txBody>
+                    <a:bodyPr/>
+                    <a:lstStyle/>
+                    <a:p>
+                      <a:pPr>
+                        <a:spcAft>
+                          <a:spcPts val="0"/>
+                        </a:spcAft>
+                      </a:pPr>
+                      <a:r>
+                        <a:rPr lang="nl-NL" sz="1200">
+                          <a:effectLst/>
+                        </a:rPr>
+                        <a:t>0</a:t>
+                      </a:r>
+                      <a:endParaRPr lang="nl-NL" sz="1100">
+                        <a:effectLst/>
+                        <a:latin typeface="Cambria"/>
+                        <a:ea typeface="Cambria"/>
+                        <a:cs typeface="Times New Roman"/>
+                      </a:endParaRPr>
+                    </a:p>
+                  </a:txBody>
+                  <a:tcPr marL="68580" marR="68580" marT="0" marB="0"/>
+                </a:tc>
+              </a:tr>
+              <a:tr h="168275">
+                <a:tc>
+                  <a:txBody>
+                    <a:bodyPr/>
+                    <a:lstStyle/>
+                    <a:p>
+                      <a:pPr>
+                        <a:spcAft>
+                          <a:spcPts val="0"/>
+                        </a:spcAft>
+                      </a:pPr>
+                      <a:r>
+                        <a:rPr lang="nl-NL" sz="1200">
+                          <a:effectLst/>
+                        </a:rPr>
+                        <a:t>license_plate_2</a:t>
+                      </a:r>
+                      <a:endParaRPr lang="nl-NL" sz="1100">
+                        <a:effectLst/>
+                        <a:latin typeface="Cambria"/>
+                        <a:ea typeface="Cambria"/>
+                        <a:cs typeface="Times New Roman"/>
+                      </a:endParaRPr>
+                    </a:p>
+                  </a:txBody>
+                  <a:tcPr marL="68580" marR="68580" marT="0" marB="0"/>
+                </a:tc>
+                <a:tc>
+                  <a:txBody>
+                    <a:bodyPr/>
+                    <a:lstStyle/>
+                    <a:p>
+                      <a:pPr>
+                        <a:spcAft>
+                          <a:spcPts val="0"/>
+                        </a:spcAft>
+                      </a:pPr>
+                      <a:r>
+                        <a:rPr lang="nl-NL" sz="1200">
+                          <a:effectLst/>
+                        </a:rPr>
+                        <a:t>0.0051</a:t>
+                      </a:r>
+                      <a:endParaRPr lang="nl-NL" sz="1100">
+                        <a:effectLst/>
+                        <a:latin typeface="Cambria"/>
+                        <a:ea typeface="Cambria"/>
+                        <a:cs typeface="Times New Roman"/>
+                      </a:endParaRPr>
+                    </a:p>
+                  </a:txBody>
+                  <a:tcPr marL="68580" marR="68580" marT="0" marB="0"/>
+                </a:tc>
+                <a:tc>
+                  <a:txBody>
+                    <a:bodyPr/>
+                    <a:lstStyle/>
+                    <a:p>
+                      <a:pPr>
+                        <a:spcAft>
+                          <a:spcPts val="0"/>
+                        </a:spcAft>
+                      </a:pPr>
+                      <a:r>
+                        <a:rPr lang="nl-NL" sz="1200">
+                          <a:effectLst/>
+                        </a:rPr>
+                        <a:t>0</a:t>
+                      </a:r>
+                      <a:endParaRPr lang="nl-NL" sz="1100">
+                        <a:effectLst/>
+                        <a:latin typeface="Cambria"/>
+                        <a:ea typeface="Cambria"/>
+                        <a:cs typeface="Times New Roman"/>
+                      </a:endParaRPr>
+                    </a:p>
+                  </a:txBody>
+                  <a:tcPr marL="68580" marR="68580" marT="0" marB="0"/>
+                </a:tc>
+              </a:tr>
+              <a:tr h="178435">
+                <a:tc>
+                  <a:txBody>
+                    <a:bodyPr/>
+                    <a:lstStyle/>
+                    <a:p>
+                      <a:pPr>
+                        <a:spcAft>
+                          <a:spcPts val="0"/>
+                        </a:spcAft>
+                      </a:pPr>
+                      <a:r>
+                        <a:rPr lang="nl-NL" sz="1200">
+                          <a:effectLst/>
+                        </a:rPr>
+                        <a:t>license_plate_3</a:t>
+                      </a:r>
+                      <a:endParaRPr lang="nl-NL" sz="1100">
+                        <a:effectLst/>
+                        <a:latin typeface="Cambria"/>
+                        <a:ea typeface="Cambria"/>
+                        <a:cs typeface="Times New Roman"/>
+                      </a:endParaRPr>
+                    </a:p>
+                  </a:txBody>
+                  <a:tcPr marL="68580" marR="68580" marT="0" marB="0"/>
+                </a:tc>
+                <a:tc>
+                  <a:txBody>
+                    <a:bodyPr/>
+                    <a:lstStyle/>
+                    <a:p>
+                      <a:pPr>
+                        <a:spcAft>
+                          <a:spcPts val="0"/>
+                        </a:spcAft>
+                      </a:pPr>
+                      <a:r>
+                        <a:rPr lang="nl-NL" sz="1200">
+                          <a:effectLst/>
+                        </a:rPr>
+                        <a:t>0.0016</a:t>
+                      </a:r>
+                      <a:endParaRPr lang="nl-NL" sz="1100">
+                        <a:effectLst/>
+                        <a:latin typeface="Cambria"/>
+                        <a:ea typeface="Cambria"/>
+                        <a:cs typeface="Times New Roman"/>
+                      </a:endParaRPr>
+                    </a:p>
+                  </a:txBody>
+                  <a:tcPr marL="68580" marR="68580" marT="0" marB="0"/>
+                </a:tc>
+                <a:tc>
+                  <a:txBody>
+                    <a:bodyPr/>
+                    <a:lstStyle/>
+                    <a:p>
+                      <a:pPr>
+                        <a:spcAft>
+                          <a:spcPts val="0"/>
+                        </a:spcAft>
+                      </a:pPr>
+                      <a:r>
+                        <a:rPr lang="nl-NL" sz="1200" dirty="0">
+                          <a:effectLst/>
+                        </a:rPr>
+                        <a:t>0</a:t>
+                      </a:r>
+                      <a:endParaRPr lang="nl-NL" sz="1100" dirty="0">
+                        <a:effectLst/>
+                        <a:latin typeface="Cambria"/>
+                        <a:ea typeface="Cambria"/>
+                        <a:cs typeface="Times New Roman"/>
+                      </a:endParaRPr>
+                    </a:p>
+                  </a:txBody>
+                  <a:tcPr marL="68580" marR="68580" marT="0" marB="0"/>
+                </a:tc>
+              </a:tr>
+              <a:tr h="168275">
+                <a:tc>
+                  <a:txBody>
+                    <a:bodyPr/>
+                    <a:lstStyle/>
+                    <a:p>
+                      <a:pPr>
+                        <a:spcAft>
+                          <a:spcPts val="0"/>
+                        </a:spcAft>
+                      </a:pPr>
+                      <a:r>
+                        <a:rPr lang="nl-NL" sz="1200">
+                          <a:effectLst/>
+                        </a:rPr>
+                        <a:t>license_plate_4</a:t>
+                      </a:r>
+                      <a:endParaRPr lang="nl-NL" sz="1100">
+                        <a:effectLst/>
+                        <a:latin typeface="Cambria"/>
+                        <a:ea typeface="Cambria"/>
+                        <a:cs typeface="Times New Roman"/>
+                      </a:endParaRPr>
+                    </a:p>
+                  </a:txBody>
+                  <a:tcPr marL="68580" marR="68580" marT="0" marB="0"/>
+                </a:tc>
+                <a:tc>
+                  <a:txBody>
+                    <a:bodyPr/>
+                    <a:lstStyle/>
+                    <a:p>
+                      <a:pPr>
+                        <a:spcAft>
+                          <a:spcPts val="0"/>
+                        </a:spcAft>
+                      </a:pPr>
+                      <a:r>
+                        <a:rPr lang="nl-NL" sz="1200">
+                          <a:effectLst/>
+                        </a:rPr>
+                        <a:t>0.0013</a:t>
+                      </a:r>
+                      <a:endParaRPr lang="nl-NL" sz="1100">
+                        <a:effectLst/>
+                        <a:latin typeface="Cambria"/>
+                        <a:ea typeface="Cambria"/>
+                        <a:cs typeface="Times New Roman"/>
+                      </a:endParaRPr>
+                    </a:p>
+                  </a:txBody>
+                  <a:tcPr marL="68580" marR="68580" marT="0" marB="0"/>
+                </a:tc>
+                <a:tc>
+                  <a:txBody>
+                    <a:bodyPr/>
+                    <a:lstStyle/>
+                    <a:p>
+                      <a:pPr>
+                        <a:spcAft>
+                          <a:spcPts val="0"/>
+                        </a:spcAft>
+                      </a:pPr>
+                      <a:r>
+                        <a:rPr lang="nl-NL" sz="1200">
+                          <a:effectLst/>
+                        </a:rPr>
+                        <a:t>0</a:t>
+                      </a:r>
+                      <a:endParaRPr lang="nl-NL" sz="1100">
+                        <a:effectLst/>
+                        <a:latin typeface="Cambria"/>
+                        <a:ea typeface="Cambria"/>
+                        <a:cs typeface="Times New Roman"/>
+                      </a:endParaRPr>
+                    </a:p>
+                  </a:txBody>
+                  <a:tcPr marL="68580" marR="68580" marT="0" marB="0"/>
+                </a:tc>
+              </a:tr>
+              <a:tr h="178435">
+                <a:tc>
+                  <a:txBody>
+                    <a:bodyPr/>
+                    <a:lstStyle/>
+                    <a:p>
+                      <a:pPr>
+                        <a:spcAft>
+                          <a:spcPts val="0"/>
+                        </a:spcAft>
+                      </a:pPr>
+                      <a:r>
+                        <a:rPr lang="nl-NL" sz="1200">
+                          <a:effectLst/>
+                        </a:rPr>
+                        <a:t>license_plate_5</a:t>
+                      </a:r>
+                      <a:endParaRPr lang="nl-NL" sz="1100">
+                        <a:effectLst/>
+                        <a:latin typeface="Cambria"/>
+                        <a:ea typeface="Cambria"/>
+                        <a:cs typeface="Times New Roman"/>
+                      </a:endParaRPr>
+                    </a:p>
+                  </a:txBody>
+                  <a:tcPr marL="68580" marR="68580" marT="0" marB="0"/>
+                </a:tc>
+                <a:tc>
+                  <a:txBody>
+                    <a:bodyPr/>
+                    <a:lstStyle/>
+                    <a:p>
+                      <a:pPr>
+                        <a:spcAft>
+                          <a:spcPts val="0"/>
+                        </a:spcAft>
+                      </a:pPr>
+                      <a:r>
+                        <a:rPr lang="nl-NL" sz="1200">
+                          <a:effectLst/>
+                        </a:rPr>
+                        <a:t>0.0008</a:t>
+                      </a:r>
+                      <a:endParaRPr lang="nl-NL" sz="1100">
+                        <a:effectLst/>
+                        <a:latin typeface="Cambria"/>
+                        <a:ea typeface="Cambria"/>
+                        <a:cs typeface="Times New Roman"/>
+                      </a:endParaRPr>
+                    </a:p>
+                  </a:txBody>
+                  <a:tcPr marL="68580" marR="68580" marT="0" marB="0"/>
+                </a:tc>
+                <a:tc>
+                  <a:txBody>
+                    <a:bodyPr/>
+                    <a:lstStyle/>
+                    <a:p>
+                      <a:pPr>
+                        <a:spcAft>
+                          <a:spcPts val="0"/>
+                        </a:spcAft>
+                      </a:pPr>
+                      <a:r>
+                        <a:rPr lang="nl-NL" sz="1200">
+                          <a:effectLst/>
+                        </a:rPr>
+                        <a:t>0</a:t>
+                      </a:r>
+                      <a:endParaRPr lang="nl-NL" sz="1100">
+                        <a:effectLst/>
+                        <a:latin typeface="Cambria"/>
+                        <a:ea typeface="Cambria"/>
+                        <a:cs typeface="Times New Roman"/>
+                      </a:endParaRPr>
+                    </a:p>
+                  </a:txBody>
+                  <a:tcPr marL="68580" marR="68580" marT="0" marB="0"/>
+                </a:tc>
+              </a:tr>
+              <a:tr h="168275">
+                <a:tc>
+                  <a:txBody>
+                    <a:bodyPr/>
+                    <a:lstStyle/>
+                    <a:p>
+                      <a:pPr>
+                        <a:spcAft>
+                          <a:spcPts val="0"/>
+                        </a:spcAft>
+                      </a:pPr>
+                      <a:r>
+                        <a:rPr lang="nl-NL" sz="1200">
+                          <a:effectLst/>
+                        </a:rPr>
+                        <a:t>license_plate_6</a:t>
+                      </a:r>
+                      <a:endParaRPr lang="nl-NL" sz="1100">
+                        <a:effectLst/>
+                        <a:latin typeface="Cambria"/>
+                        <a:ea typeface="Cambria"/>
+                        <a:cs typeface="Times New Roman"/>
+                      </a:endParaRPr>
+                    </a:p>
+                  </a:txBody>
+                  <a:tcPr marL="68580" marR="68580" marT="0" marB="0"/>
+                </a:tc>
+                <a:tc>
+                  <a:txBody>
+                    <a:bodyPr/>
+                    <a:lstStyle/>
+                    <a:p>
+                      <a:pPr>
+                        <a:spcAft>
+                          <a:spcPts val="0"/>
+                        </a:spcAft>
+                      </a:pPr>
+                      <a:r>
+                        <a:rPr lang="nl-NL" sz="1200">
+                          <a:effectLst/>
+                        </a:rPr>
+                        <a:t>0.0051</a:t>
+                      </a:r>
+                      <a:endParaRPr lang="nl-NL" sz="1100">
+                        <a:effectLst/>
+                        <a:latin typeface="Cambria"/>
+                        <a:ea typeface="Cambria"/>
+                        <a:cs typeface="Times New Roman"/>
+                      </a:endParaRPr>
+                    </a:p>
+                  </a:txBody>
+                  <a:tcPr marL="68580" marR="68580" marT="0" marB="0"/>
+                </a:tc>
+                <a:tc>
+                  <a:txBody>
+                    <a:bodyPr/>
+                    <a:lstStyle/>
+                    <a:p>
+                      <a:pPr>
+                        <a:spcAft>
+                          <a:spcPts val="0"/>
+                        </a:spcAft>
+                      </a:pPr>
+                      <a:r>
+                        <a:rPr lang="nl-NL" sz="1200">
+                          <a:effectLst/>
+                        </a:rPr>
+                        <a:t>1</a:t>
+                      </a:r>
+                      <a:endParaRPr lang="nl-NL" sz="1100">
+                        <a:effectLst/>
+                        <a:latin typeface="Cambria"/>
+                        <a:ea typeface="Cambria"/>
+                        <a:cs typeface="Times New Roman"/>
+                      </a:endParaRPr>
+                    </a:p>
+                  </a:txBody>
+                  <a:tcPr marL="68580" marR="68580" marT="0" marB="0"/>
+                </a:tc>
+              </a:tr>
+              <a:tr h="178435">
+                <a:tc>
+                  <a:txBody>
+                    <a:bodyPr/>
+                    <a:lstStyle/>
+                    <a:p>
+                      <a:pPr>
+                        <a:spcAft>
+                          <a:spcPts val="0"/>
+                        </a:spcAft>
+                      </a:pPr>
+                      <a:r>
+                        <a:rPr lang="nl-NL" sz="1200">
+                          <a:effectLst/>
+                        </a:rPr>
+                        <a:t>license_plate_7</a:t>
+                      </a:r>
+                      <a:endParaRPr lang="nl-NL" sz="1100">
+                        <a:effectLst/>
+                        <a:latin typeface="Cambria"/>
+                        <a:ea typeface="Cambria"/>
+                        <a:cs typeface="Times New Roman"/>
+                      </a:endParaRPr>
+                    </a:p>
+                  </a:txBody>
+                  <a:tcPr marL="68580" marR="68580" marT="0" marB="0"/>
+                </a:tc>
+                <a:tc>
+                  <a:txBody>
+                    <a:bodyPr/>
+                    <a:lstStyle/>
+                    <a:p>
+                      <a:pPr>
+                        <a:spcAft>
+                          <a:spcPts val="0"/>
+                        </a:spcAft>
+                      </a:pPr>
+                      <a:r>
+                        <a:rPr lang="nl-NL" sz="1200">
+                          <a:effectLst/>
+                        </a:rPr>
+                        <a:t>0.0065</a:t>
+                      </a:r>
+                      <a:endParaRPr lang="nl-NL" sz="1100">
+                        <a:effectLst/>
+                        <a:latin typeface="Cambria"/>
+                        <a:ea typeface="Cambria"/>
+                        <a:cs typeface="Times New Roman"/>
+                      </a:endParaRPr>
+                    </a:p>
+                  </a:txBody>
+                  <a:tcPr marL="68580" marR="68580" marT="0" marB="0"/>
+                </a:tc>
+                <a:tc>
+                  <a:txBody>
+                    <a:bodyPr/>
+                    <a:lstStyle/>
+                    <a:p>
+                      <a:pPr>
+                        <a:spcAft>
+                          <a:spcPts val="0"/>
+                        </a:spcAft>
+                      </a:pPr>
+                      <a:r>
+                        <a:rPr lang="nl-NL" sz="1200">
+                          <a:effectLst/>
+                        </a:rPr>
+                        <a:t>0</a:t>
+                      </a:r>
+                      <a:endParaRPr lang="nl-NL" sz="1100">
+                        <a:effectLst/>
+                        <a:latin typeface="Cambria"/>
+                        <a:ea typeface="Cambria"/>
+                        <a:cs typeface="Times New Roman"/>
+                      </a:endParaRPr>
+                    </a:p>
+                  </a:txBody>
+                  <a:tcPr marL="68580" marR="68580" marT="0" marB="0"/>
+                </a:tc>
+              </a:tr>
+              <a:tr h="168275">
+                <a:tc>
+                  <a:txBody>
+                    <a:bodyPr/>
+                    <a:lstStyle/>
+                    <a:p>
+                      <a:pPr>
+                        <a:spcAft>
+                          <a:spcPts val="0"/>
+                        </a:spcAft>
+                      </a:pPr>
+                      <a:r>
+                        <a:rPr lang="nl-NL" sz="1200">
+                          <a:effectLst/>
+                        </a:rPr>
+                        <a:t>license_plate_8</a:t>
+                      </a:r>
+                      <a:endParaRPr lang="nl-NL" sz="1100">
+                        <a:effectLst/>
+                        <a:latin typeface="Cambria"/>
+                        <a:ea typeface="Cambria"/>
+                        <a:cs typeface="Times New Roman"/>
+                      </a:endParaRPr>
+                    </a:p>
+                  </a:txBody>
+                  <a:tcPr marL="68580" marR="68580" marT="0" marB="0"/>
+                </a:tc>
+                <a:tc>
+                  <a:txBody>
+                    <a:bodyPr/>
+                    <a:lstStyle/>
+                    <a:p>
+                      <a:pPr>
+                        <a:spcAft>
+                          <a:spcPts val="0"/>
+                        </a:spcAft>
+                      </a:pPr>
+                      <a:r>
+                        <a:rPr lang="nl-NL" sz="1200">
+                          <a:effectLst/>
+                        </a:rPr>
+                        <a:t>0.0066</a:t>
+                      </a:r>
+                      <a:endParaRPr lang="nl-NL" sz="1100">
+                        <a:effectLst/>
+                        <a:latin typeface="Cambria"/>
+                        <a:ea typeface="Cambria"/>
+                        <a:cs typeface="Times New Roman"/>
+                      </a:endParaRPr>
+                    </a:p>
+                  </a:txBody>
+                  <a:tcPr marL="68580" marR="68580" marT="0" marB="0"/>
+                </a:tc>
+                <a:tc>
+                  <a:txBody>
+                    <a:bodyPr/>
+                    <a:lstStyle/>
+                    <a:p>
+                      <a:pPr>
+                        <a:spcAft>
+                          <a:spcPts val="0"/>
+                        </a:spcAft>
+                      </a:pPr>
+                      <a:r>
+                        <a:rPr lang="nl-NL" sz="1200">
+                          <a:effectLst/>
+                        </a:rPr>
+                        <a:t>1</a:t>
+                      </a:r>
+                      <a:endParaRPr lang="nl-NL" sz="1100">
+                        <a:effectLst/>
+                        <a:latin typeface="Cambria"/>
+                        <a:ea typeface="Cambria"/>
+                        <a:cs typeface="Times New Roman"/>
+                      </a:endParaRPr>
+                    </a:p>
+                  </a:txBody>
+                  <a:tcPr marL="68580" marR="68580" marT="0" marB="0"/>
+                </a:tc>
+              </a:tr>
+              <a:tr h="178435">
+                <a:tc>
+                  <a:txBody>
+                    <a:bodyPr/>
+                    <a:lstStyle/>
+                    <a:p>
+                      <a:pPr>
+                        <a:spcAft>
+                          <a:spcPts val="0"/>
+                        </a:spcAft>
+                      </a:pPr>
+                      <a:r>
+                        <a:rPr lang="nl-NL" sz="1200">
+                          <a:effectLst/>
+                        </a:rPr>
+                        <a:t>license_plate_9</a:t>
+                      </a:r>
+                      <a:endParaRPr lang="nl-NL" sz="1100">
+                        <a:effectLst/>
+                        <a:latin typeface="Cambria"/>
+                        <a:ea typeface="Cambria"/>
+                        <a:cs typeface="Times New Roman"/>
+                      </a:endParaRPr>
+                    </a:p>
+                  </a:txBody>
+                  <a:tcPr marL="68580" marR="68580" marT="0" marB="0"/>
+                </a:tc>
+                <a:tc>
+                  <a:txBody>
+                    <a:bodyPr/>
+                    <a:lstStyle/>
+                    <a:p>
+                      <a:pPr>
+                        <a:spcAft>
+                          <a:spcPts val="0"/>
+                        </a:spcAft>
+                      </a:pPr>
+                      <a:r>
+                        <a:rPr lang="nl-NL" sz="1200">
+                          <a:effectLst/>
+                        </a:rPr>
+                        <a:t>0.0086</a:t>
+                      </a:r>
+                      <a:endParaRPr lang="nl-NL" sz="1100">
+                        <a:effectLst/>
+                        <a:latin typeface="Cambria"/>
+                        <a:ea typeface="Cambria"/>
+                        <a:cs typeface="Times New Roman"/>
+                      </a:endParaRPr>
+                    </a:p>
+                  </a:txBody>
+                  <a:tcPr marL="68580" marR="68580" marT="0" marB="0"/>
+                </a:tc>
+                <a:tc>
+                  <a:txBody>
+                    <a:bodyPr/>
+                    <a:lstStyle/>
+                    <a:p>
+                      <a:pPr>
+                        <a:spcAft>
+                          <a:spcPts val="0"/>
+                        </a:spcAft>
+                      </a:pPr>
+                      <a:r>
+                        <a:rPr lang="nl-NL" sz="1200">
+                          <a:effectLst/>
+                        </a:rPr>
+                        <a:t>1</a:t>
+                      </a:r>
+                      <a:endParaRPr lang="nl-NL" sz="1100">
+                        <a:effectLst/>
+                        <a:latin typeface="Cambria"/>
+                        <a:ea typeface="Cambria"/>
+                        <a:cs typeface="Times New Roman"/>
+                      </a:endParaRPr>
+                    </a:p>
+                  </a:txBody>
+                  <a:tcPr marL="68580" marR="68580" marT="0" marB="0"/>
+                </a:tc>
+              </a:tr>
+              <a:tr h="168275">
+                <a:tc>
+                  <a:txBody>
+                    <a:bodyPr/>
+                    <a:lstStyle/>
+                    <a:p>
+                      <a:pPr>
+                        <a:spcAft>
+                          <a:spcPts val="0"/>
+                        </a:spcAft>
+                      </a:pPr>
+                      <a:r>
+                        <a:rPr lang="nl-NL" sz="1200">
+                          <a:effectLst/>
+                        </a:rPr>
+                        <a:t>license_plate_10</a:t>
+                      </a:r>
+                      <a:endParaRPr lang="nl-NL" sz="1100">
+                        <a:effectLst/>
+                        <a:latin typeface="Cambria"/>
+                        <a:ea typeface="Cambria"/>
+                        <a:cs typeface="Times New Roman"/>
+                      </a:endParaRPr>
+                    </a:p>
+                  </a:txBody>
+                  <a:tcPr marL="68580" marR="68580" marT="0" marB="0"/>
+                </a:tc>
+                <a:tc>
+                  <a:txBody>
+                    <a:bodyPr/>
+                    <a:lstStyle/>
+                    <a:p>
+                      <a:pPr>
+                        <a:spcAft>
+                          <a:spcPts val="0"/>
+                        </a:spcAft>
+                      </a:pPr>
+                      <a:r>
+                        <a:rPr lang="nl-NL" sz="1200">
+                          <a:effectLst/>
+                        </a:rPr>
+                        <a:t>0.0141</a:t>
+                      </a:r>
+                      <a:endParaRPr lang="nl-NL" sz="1100">
+                        <a:effectLst/>
+                        <a:latin typeface="Cambria"/>
+                        <a:ea typeface="Cambria"/>
+                        <a:cs typeface="Times New Roman"/>
+                      </a:endParaRPr>
+                    </a:p>
+                  </a:txBody>
+                  <a:tcPr marL="68580" marR="68580" marT="0" marB="0"/>
+                </a:tc>
+                <a:tc>
+                  <a:txBody>
+                    <a:bodyPr/>
+                    <a:lstStyle/>
+                    <a:p>
+                      <a:pPr>
+                        <a:spcAft>
+                          <a:spcPts val="0"/>
+                        </a:spcAft>
+                      </a:pPr>
+                      <a:r>
+                        <a:rPr lang="nl-NL" sz="1200">
+                          <a:effectLst/>
+                        </a:rPr>
+                        <a:t>0</a:t>
+                      </a:r>
+                      <a:endParaRPr lang="nl-NL" sz="1100">
+                        <a:effectLst/>
+                        <a:latin typeface="Cambria"/>
+                        <a:ea typeface="Cambria"/>
+                        <a:cs typeface="Times New Roman"/>
+                      </a:endParaRPr>
+                    </a:p>
+                  </a:txBody>
+                  <a:tcPr marL="68580" marR="68580" marT="0" marB="0"/>
+                </a:tc>
+              </a:tr>
+              <a:tr h="178435">
+                <a:tc>
+                  <a:txBody>
+                    <a:bodyPr/>
+                    <a:lstStyle/>
+                    <a:p>
+                      <a:pPr>
+                        <a:spcAft>
+                          <a:spcPts val="0"/>
+                        </a:spcAft>
+                      </a:pPr>
+                      <a:r>
+                        <a:rPr lang="nl-NL" sz="1200">
+                          <a:effectLst/>
+                        </a:rPr>
+                        <a:t>license_plate_11</a:t>
+                      </a:r>
+                      <a:endParaRPr lang="nl-NL" sz="1100">
+                        <a:effectLst/>
+                        <a:latin typeface="Cambria"/>
+                        <a:ea typeface="Cambria"/>
+                        <a:cs typeface="Times New Roman"/>
+                      </a:endParaRPr>
+                    </a:p>
+                  </a:txBody>
+                  <a:tcPr marL="68580" marR="68580" marT="0" marB="0"/>
+                </a:tc>
+                <a:tc>
+                  <a:txBody>
+                    <a:bodyPr/>
+                    <a:lstStyle/>
+                    <a:p>
+                      <a:pPr>
+                        <a:spcAft>
+                          <a:spcPts val="0"/>
+                        </a:spcAft>
+                      </a:pPr>
+                      <a:r>
+                        <a:rPr lang="nl-NL" sz="1200">
+                          <a:effectLst/>
+                        </a:rPr>
+                        <a:t>0.0026</a:t>
+                      </a:r>
+                      <a:endParaRPr lang="nl-NL" sz="1100">
+                        <a:effectLst/>
+                        <a:latin typeface="Cambria"/>
+                        <a:ea typeface="Cambria"/>
+                        <a:cs typeface="Times New Roman"/>
+                      </a:endParaRPr>
+                    </a:p>
+                  </a:txBody>
+                  <a:tcPr marL="68580" marR="68580" marT="0" marB="0"/>
+                </a:tc>
+                <a:tc>
+                  <a:txBody>
+                    <a:bodyPr/>
+                    <a:lstStyle/>
+                    <a:p>
+                      <a:pPr>
+                        <a:spcAft>
+                          <a:spcPts val="0"/>
+                        </a:spcAft>
+                      </a:pPr>
+                      <a:r>
+                        <a:rPr lang="nl-NL" sz="1200">
+                          <a:effectLst/>
+                        </a:rPr>
+                        <a:t>0</a:t>
+                      </a:r>
+                      <a:endParaRPr lang="nl-NL" sz="1100">
+                        <a:effectLst/>
+                        <a:latin typeface="Cambria"/>
+                        <a:ea typeface="Cambria"/>
+                        <a:cs typeface="Times New Roman"/>
+                      </a:endParaRPr>
+                    </a:p>
+                  </a:txBody>
+                  <a:tcPr marL="68580" marR="68580" marT="0" marB="0"/>
+                </a:tc>
+              </a:tr>
+              <a:tr h="168275">
+                <a:tc>
+                  <a:txBody>
+                    <a:bodyPr/>
+                    <a:lstStyle/>
+                    <a:p>
+                      <a:pPr>
+                        <a:spcAft>
+                          <a:spcPts val="0"/>
+                        </a:spcAft>
+                      </a:pPr>
+                      <a:r>
+                        <a:rPr lang="nl-NL" sz="1200">
+                          <a:effectLst/>
+                        </a:rPr>
+                        <a:t>license_plate_ex_1</a:t>
+                      </a:r>
+                      <a:endParaRPr lang="nl-NL" sz="1100">
+                        <a:effectLst/>
+                        <a:latin typeface="Cambria"/>
+                        <a:ea typeface="Cambria"/>
+                        <a:cs typeface="Times New Roman"/>
+                      </a:endParaRPr>
+                    </a:p>
+                  </a:txBody>
+                  <a:tcPr marL="68580" marR="68580" marT="0" marB="0"/>
+                </a:tc>
+                <a:tc>
+                  <a:txBody>
+                    <a:bodyPr/>
+                    <a:lstStyle/>
+                    <a:p>
+                      <a:pPr>
+                        <a:spcAft>
+                          <a:spcPts val="0"/>
+                        </a:spcAft>
+                      </a:pPr>
+                      <a:r>
+                        <a:rPr lang="nl-NL" sz="1200">
+                          <a:effectLst/>
+                        </a:rPr>
+                        <a:t>0.0009</a:t>
+                      </a:r>
+                      <a:endParaRPr lang="nl-NL" sz="1100">
+                        <a:effectLst/>
+                        <a:latin typeface="Cambria"/>
+                        <a:ea typeface="Cambria"/>
+                        <a:cs typeface="Times New Roman"/>
+                      </a:endParaRPr>
+                    </a:p>
+                  </a:txBody>
+                  <a:tcPr marL="68580" marR="68580" marT="0" marB="0"/>
+                </a:tc>
+                <a:tc>
+                  <a:txBody>
+                    <a:bodyPr/>
+                    <a:lstStyle/>
+                    <a:p>
+                      <a:pPr>
+                        <a:spcAft>
+                          <a:spcPts val="0"/>
+                        </a:spcAft>
+                      </a:pPr>
+                      <a:r>
+                        <a:rPr lang="nl-NL" sz="1200">
+                          <a:effectLst/>
+                        </a:rPr>
+                        <a:t>0</a:t>
+                      </a:r>
+                      <a:endParaRPr lang="nl-NL" sz="1100">
+                        <a:effectLst/>
+                        <a:latin typeface="Cambria"/>
+                        <a:ea typeface="Cambria"/>
+                        <a:cs typeface="Times New Roman"/>
+                      </a:endParaRPr>
+                    </a:p>
+                  </a:txBody>
+                  <a:tcPr marL="68580" marR="68580" marT="0" marB="0"/>
+                </a:tc>
+              </a:tr>
+              <a:tr h="178435">
+                <a:tc>
+                  <a:txBody>
+                    <a:bodyPr/>
+                    <a:lstStyle/>
+                    <a:p>
+                      <a:pPr>
+                        <a:spcAft>
+                          <a:spcPts val="0"/>
+                        </a:spcAft>
+                      </a:pPr>
+                      <a:r>
+                        <a:rPr lang="nl-NL" sz="1200">
+                          <a:effectLst/>
+                        </a:rPr>
+                        <a:t>license_plate_ex_2</a:t>
+                      </a:r>
+                      <a:endParaRPr lang="nl-NL" sz="1100">
+                        <a:effectLst/>
+                        <a:latin typeface="Cambria"/>
+                        <a:ea typeface="Cambria"/>
+                        <a:cs typeface="Times New Roman"/>
+                      </a:endParaRPr>
+                    </a:p>
+                  </a:txBody>
+                  <a:tcPr marL="68580" marR="68580" marT="0" marB="0"/>
+                </a:tc>
+                <a:tc>
+                  <a:txBody>
+                    <a:bodyPr/>
+                    <a:lstStyle/>
+                    <a:p>
+                      <a:pPr>
+                        <a:spcAft>
+                          <a:spcPts val="0"/>
+                        </a:spcAft>
+                      </a:pPr>
+                      <a:r>
+                        <a:rPr lang="nl-NL" sz="1200">
+                          <a:effectLst/>
+                        </a:rPr>
+                        <a:t>0.0013</a:t>
+                      </a:r>
+                      <a:endParaRPr lang="nl-NL" sz="1100">
+                        <a:effectLst/>
+                        <a:latin typeface="Cambria"/>
+                        <a:ea typeface="Cambria"/>
+                        <a:cs typeface="Times New Roman"/>
+                      </a:endParaRPr>
+                    </a:p>
+                  </a:txBody>
+                  <a:tcPr marL="68580" marR="68580" marT="0" marB="0"/>
+                </a:tc>
+                <a:tc>
+                  <a:txBody>
+                    <a:bodyPr/>
+                    <a:lstStyle/>
+                    <a:p>
+                      <a:pPr>
+                        <a:spcAft>
+                          <a:spcPts val="0"/>
+                        </a:spcAft>
+                      </a:pPr>
+                      <a:r>
+                        <a:rPr lang="nl-NL" sz="1200" dirty="0">
+                          <a:effectLst/>
+                        </a:rPr>
+                        <a:t>0</a:t>
+                      </a:r>
+                      <a:endParaRPr lang="nl-NL" sz="1100" dirty="0">
+                        <a:effectLst/>
+                        <a:latin typeface="Cambria"/>
+                        <a:ea typeface="Cambria"/>
+                        <a:cs typeface="Times New Roman"/>
+                      </a:endParaRPr>
+                    </a:p>
+                  </a:txBody>
+                  <a:tcPr marL="68580" marR="68580" marT="0" marB="0"/>
+                </a:tc>
+              </a:tr>
+              <a:tr h="168275">
+                <a:tc>
+                  <a:txBody>
+                    <a:bodyPr/>
+                    <a:lstStyle/>
+                    <a:p>
+                      <a:pPr>
+                        <a:spcAft>
+                          <a:spcPts val="0"/>
+                        </a:spcAft>
+                      </a:pPr>
+                      <a:r>
+                        <a:rPr lang="nl-NL" sz="1200">
+                          <a:effectLst/>
+                        </a:rPr>
+                        <a:t>license_plate_ex_3</a:t>
+                      </a:r>
+                      <a:endParaRPr lang="nl-NL" sz="1100">
+                        <a:effectLst/>
+                        <a:latin typeface="Cambria"/>
+                        <a:ea typeface="Cambria"/>
+                        <a:cs typeface="Times New Roman"/>
+                      </a:endParaRPr>
+                    </a:p>
+                  </a:txBody>
+                  <a:tcPr marL="68580" marR="68580" marT="0" marB="0"/>
+                </a:tc>
+                <a:tc>
+                  <a:txBody>
+                    <a:bodyPr/>
+                    <a:lstStyle/>
+                    <a:p>
+                      <a:pPr>
+                        <a:spcAft>
+                          <a:spcPts val="0"/>
+                        </a:spcAft>
+                      </a:pPr>
+                      <a:r>
+                        <a:rPr lang="nl-NL" sz="1200">
+                          <a:effectLst/>
+                        </a:rPr>
+                        <a:t>0.0025</a:t>
+                      </a:r>
+                      <a:endParaRPr lang="nl-NL" sz="1100">
+                        <a:effectLst/>
+                        <a:latin typeface="Cambria"/>
+                        <a:ea typeface="Cambria"/>
+                        <a:cs typeface="Times New Roman"/>
+                      </a:endParaRPr>
+                    </a:p>
+                  </a:txBody>
+                  <a:tcPr marL="68580" marR="68580" marT="0" marB="0"/>
+                </a:tc>
+                <a:tc>
+                  <a:txBody>
+                    <a:bodyPr/>
+                    <a:lstStyle/>
+                    <a:p>
+                      <a:pPr>
+                        <a:spcAft>
+                          <a:spcPts val="0"/>
+                        </a:spcAft>
+                      </a:pPr>
+                      <a:r>
+                        <a:rPr lang="nl-NL" sz="1200">
+                          <a:effectLst/>
+                        </a:rPr>
+                        <a:t>0</a:t>
+                      </a:r>
+                      <a:endParaRPr lang="nl-NL" sz="1100">
+                        <a:effectLst/>
+                        <a:latin typeface="Cambria"/>
+                        <a:ea typeface="Cambria"/>
+                        <a:cs typeface="Times New Roman"/>
+                      </a:endParaRPr>
+                    </a:p>
+                  </a:txBody>
+                  <a:tcPr marL="68580" marR="68580" marT="0" marB="0"/>
+                </a:tc>
+              </a:tr>
+              <a:tr h="178435">
+                <a:tc>
+                  <a:txBody>
+                    <a:bodyPr/>
+                    <a:lstStyle/>
+                    <a:p>
+                      <a:pPr>
+                        <a:spcAft>
+                          <a:spcPts val="0"/>
+                        </a:spcAft>
+                      </a:pPr>
+                      <a:r>
+                        <a:rPr lang="nl-NL" sz="1200">
+                          <a:effectLst/>
+                        </a:rPr>
+                        <a:t>license_plate_ex_4</a:t>
+                      </a:r>
+                      <a:endParaRPr lang="nl-NL" sz="1100">
+                        <a:effectLst/>
+                        <a:latin typeface="Cambria"/>
+                        <a:ea typeface="Cambria"/>
+                        <a:cs typeface="Times New Roman"/>
+                      </a:endParaRPr>
+                    </a:p>
+                  </a:txBody>
+                  <a:tcPr marL="68580" marR="68580" marT="0" marB="0"/>
+                </a:tc>
+                <a:tc>
+                  <a:txBody>
+                    <a:bodyPr/>
+                    <a:lstStyle/>
+                    <a:p>
+                      <a:pPr>
+                        <a:spcAft>
+                          <a:spcPts val="0"/>
+                        </a:spcAft>
+                      </a:pPr>
+                      <a:r>
+                        <a:rPr lang="nl-NL" sz="1200">
+                          <a:effectLst/>
+                        </a:rPr>
+                        <a:t>0.0071</a:t>
+                      </a:r>
+                      <a:endParaRPr lang="nl-NL" sz="1100">
+                        <a:effectLst/>
+                        <a:latin typeface="Cambria"/>
+                        <a:ea typeface="Cambria"/>
+                        <a:cs typeface="Times New Roman"/>
+                      </a:endParaRPr>
+                    </a:p>
+                  </a:txBody>
+                  <a:tcPr marL="68580" marR="68580" marT="0" marB="0"/>
+                </a:tc>
+                <a:tc>
+                  <a:txBody>
+                    <a:bodyPr/>
+                    <a:lstStyle/>
+                    <a:p>
+                      <a:pPr>
+                        <a:spcAft>
+                          <a:spcPts val="0"/>
+                        </a:spcAft>
+                      </a:pPr>
+                      <a:r>
+                        <a:rPr lang="nl-NL" sz="1200">
+                          <a:effectLst/>
+                        </a:rPr>
+                        <a:t>0</a:t>
+                      </a:r>
+                      <a:endParaRPr lang="nl-NL" sz="1100">
+                        <a:effectLst/>
+                        <a:latin typeface="Cambria"/>
+                        <a:ea typeface="Cambria"/>
+                        <a:cs typeface="Times New Roman"/>
+                      </a:endParaRPr>
+                    </a:p>
+                  </a:txBody>
+                  <a:tcPr marL="68580" marR="68580" marT="0" marB="0"/>
+                </a:tc>
+              </a:tr>
+              <a:tr h="178435">
+                <a:tc>
+                  <a:txBody>
+                    <a:bodyPr/>
+                    <a:lstStyle/>
+                    <a:p>
+                      <a:pPr>
+                        <a:spcAft>
+                          <a:spcPts val="0"/>
+                        </a:spcAft>
+                      </a:pPr>
+                      <a:r>
+                        <a:rPr lang="nl-NL" sz="1200">
+                          <a:effectLst/>
+                        </a:rPr>
+                        <a:t>license_plate_ex_5</a:t>
+                      </a:r>
+                      <a:endParaRPr lang="nl-NL" sz="1100">
+                        <a:effectLst/>
+                        <a:latin typeface="Cambria"/>
+                        <a:ea typeface="Cambria"/>
+                        <a:cs typeface="Times New Roman"/>
+                      </a:endParaRPr>
+                    </a:p>
+                  </a:txBody>
+                  <a:tcPr marL="68580" marR="68580" marT="0" marB="0"/>
+                </a:tc>
+                <a:tc>
+                  <a:txBody>
+                    <a:bodyPr/>
+                    <a:lstStyle/>
+                    <a:p>
+                      <a:pPr>
+                        <a:spcAft>
+                          <a:spcPts val="0"/>
+                        </a:spcAft>
+                      </a:pPr>
+                      <a:r>
+                        <a:rPr lang="nl-NL" sz="1200">
+                          <a:effectLst/>
+                        </a:rPr>
+                        <a:t>0.0017</a:t>
+                      </a:r>
+                      <a:endParaRPr lang="nl-NL" sz="1100">
+                        <a:effectLst/>
+                        <a:latin typeface="Cambria"/>
+                        <a:ea typeface="Cambria"/>
+                        <a:cs typeface="Times New Roman"/>
+                      </a:endParaRPr>
+                    </a:p>
+                  </a:txBody>
+                  <a:tcPr marL="68580" marR="68580" marT="0" marB="0"/>
+                </a:tc>
+                <a:tc>
+                  <a:txBody>
+                    <a:bodyPr/>
+                    <a:lstStyle/>
+                    <a:p>
+                      <a:pPr>
+                        <a:spcAft>
+                          <a:spcPts val="0"/>
+                        </a:spcAft>
+                      </a:pPr>
+                      <a:r>
+                        <a:rPr lang="nl-NL" sz="1200">
+                          <a:effectLst/>
+                        </a:rPr>
+                        <a:t>1</a:t>
+                      </a:r>
+                      <a:endParaRPr lang="nl-NL" sz="1100">
+                        <a:effectLst/>
+                        <a:latin typeface="Cambria"/>
+                        <a:ea typeface="Cambria"/>
+                        <a:cs typeface="Times New Roman"/>
+                      </a:endParaRPr>
+                    </a:p>
+                  </a:txBody>
+                  <a:tcPr marL="68580" marR="68580" marT="0" marB="0"/>
+                </a:tc>
+              </a:tr>
+              <a:tr h="168275">
+                <a:tc>
+                  <a:txBody>
+                    <a:bodyPr/>
+                    <a:lstStyle/>
+                    <a:p>
+                      <a:pPr>
+                        <a:spcAft>
+                          <a:spcPts val="0"/>
+                        </a:spcAft>
+                      </a:pPr>
+                      <a:r>
+                        <a:rPr lang="nl-NL" sz="1200">
+                          <a:effectLst/>
+                        </a:rPr>
+                        <a:t>license_plate_ex_6</a:t>
+                      </a:r>
+                      <a:endParaRPr lang="nl-NL" sz="1100">
+                        <a:effectLst/>
+                        <a:latin typeface="Cambria"/>
+                        <a:ea typeface="Cambria"/>
+                        <a:cs typeface="Times New Roman"/>
+                      </a:endParaRPr>
+                    </a:p>
+                  </a:txBody>
+                  <a:tcPr marL="68580" marR="68580" marT="0" marB="0"/>
+                </a:tc>
+                <a:tc>
+                  <a:txBody>
+                    <a:bodyPr/>
+                    <a:lstStyle/>
+                    <a:p>
+                      <a:pPr>
+                        <a:spcAft>
+                          <a:spcPts val="0"/>
+                        </a:spcAft>
+                      </a:pPr>
+                      <a:r>
+                        <a:rPr lang="nl-NL" sz="1200">
+                          <a:effectLst/>
+                        </a:rPr>
+                        <a:t>0.0005</a:t>
+                      </a:r>
+                      <a:endParaRPr lang="nl-NL" sz="1100">
+                        <a:effectLst/>
+                        <a:latin typeface="Cambria"/>
+                        <a:ea typeface="Cambria"/>
+                        <a:cs typeface="Times New Roman"/>
+                      </a:endParaRPr>
+                    </a:p>
+                  </a:txBody>
+                  <a:tcPr marL="68580" marR="68580" marT="0" marB="0"/>
+                </a:tc>
+                <a:tc>
+                  <a:txBody>
+                    <a:bodyPr/>
+                    <a:lstStyle/>
+                    <a:p>
+                      <a:pPr>
+                        <a:spcAft>
+                          <a:spcPts val="0"/>
+                        </a:spcAft>
+                      </a:pPr>
+                      <a:r>
+                        <a:rPr lang="nl-NL" sz="1200">
+                          <a:effectLst/>
+                        </a:rPr>
+                        <a:t>1</a:t>
+                      </a:r>
+                      <a:endParaRPr lang="nl-NL" sz="1100">
+                        <a:effectLst/>
+                        <a:latin typeface="Cambria"/>
+                        <a:ea typeface="Cambria"/>
+                        <a:cs typeface="Times New Roman"/>
+                      </a:endParaRPr>
+                    </a:p>
+                  </a:txBody>
+                  <a:tcPr marL="68580" marR="68580" marT="0" marB="0"/>
+                </a:tc>
+              </a:tr>
+              <a:tr h="178435">
+                <a:tc>
+                  <a:txBody>
+                    <a:bodyPr/>
+                    <a:lstStyle/>
+                    <a:p>
+                      <a:pPr>
+                        <a:spcAft>
+                          <a:spcPts val="0"/>
+                        </a:spcAft>
+                      </a:pPr>
+                      <a:r>
+                        <a:rPr lang="nl-NL" sz="1200">
+                          <a:effectLst/>
+                        </a:rPr>
+                        <a:t>license_plate_ex_7</a:t>
+                      </a:r>
+                      <a:endParaRPr lang="nl-NL" sz="1100">
+                        <a:effectLst/>
+                        <a:latin typeface="Cambria"/>
+                        <a:ea typeface="Cambria"/>
+                        <a:cs typeface="Times New Roman"/>
+                      </a:endParaRPr>
+                    </a:p>
+                  </a:txBody>
+                  <a:tcPr marL="68580" marR="68580" marT="0" marB="0"/>
+                </a:tc>
+                <a:tc>
+                  <a:txBody>
+                    <a:bodyPr/>
+                    <a:lstStyle/>
+                    <a:p>
+                      <a:pPr>
+                        <a:spcAft>
+                          <a:spcPts val="0"/>
+                        </a:spcAft>
+                      </a:pPr>
+                      <a:r>
+                        <a:rPr lang="nl-NL" sz="1200">
+                          <a:effectLst/>
+                        </a:rPr>
+                        <a:t>0.0011</a:t>
+                      </a:r>
+                      <a:endParaRPr lang="nl-NL" sz="1100">
+                        <a:effectLst/>
+                        <a:latin typeface="Cambria"/>
+                        <a:ea typeface="Cambria"/>
+                        <a:cs typeface="Times New Roman"/>
+                      </a:endParaRPr>
+                    </a:p>
+                  </a:txBody>
+                  <a:tcPr marL="68580" marR="68580" marT="0" marB="0"/>
+                </a:tc>
+                <a:tc>
+                  <a:txBody>
+                    <a:bodyPr/>
+                    <a:lstStyle/>
+                    <a:p>
+                      <a:pPr>
+                        <a:spcAft>
+                          <a:spcPts val="0"/>
+                        </a:spcAft>
+                      </a:pPr>
+                      <a:r>
+                        <a:rPr lang="nl-NL" sz="1200" dirty="0">
+                          <a:effectLst/>
+                        </a:rPr>
+                        <a:t>0</a:t>
+                      </a:r>
+                      <a:endParaRPr lang="nl-NL" sz="1100" dirty="0">
+                        <a:effectLst/>
+                        <a:latin typeface="Cambria"/>
+                        <a:ea typeface="Cambria"/>
+                        <a:cs typeface="Times New Roman"/>
+                      </a:endParaRPr>
+                    </a:p>
+                  </a:txBody>
+                  <a:tcPr marL="68580" marR="68580" marT="0" marB="0"/>
+                </a:tc>
+              </a:tr>
+            </a:tbl>
+          </a:graphicData>
+        </a:graphic>
+      </p:graphicFrame>
     </p:spTree>
     <p:extLst>
       <p:ext uri="{BB962C8B-B14F-4D97-AF65-F5344CB8AC3E}">
@@ -6243,7 +7815,7 @@
           <p:nvPr/>
         </p:nvPicPr>
         <p:blipFill>
-          <a:blip r:embed="rId5">
+          <a:blip r:embed="rId5" cstate="email">
             <a:extLst>
               <a:ext uri="{28A0092B-C50C-407E-A947-70E740481C1C}">
                 <a14:useLocalDpi xmlns:a14="http://schemas.microsoft.com/office/drawing/2010/main" val="0"/>
@@ -6372,7 +7944,6 @@
               <a:rPr lang="nl-NL" dirty="0" smtClean="0"/>
               <a:t>Exception</a:t>
             </a:r>
-            <a:endParaRPr lang="nl-NL" dirty="0" smtClean="0"/>
           </a:p>
           <a:p>
             <a:r>
